--- a/powerpoints/Intro_python_class_2.pptx
+++ b/powerpoints/Intro_python_class_2.pptx
@@ -27,10 +27,7 @@
     <p:sldId id="280" r:id="rId21"/>
     <p:sldId id="292" r:id="rId22"/>
     <p:sldId id="293" r:id="rId23"/>
-    <p:sldId id="285" r:id="rId24"/>
-    <p:sldId id="286" r:id="rId25"/>
-    <p:sldId id="260" r:id="rId26"/>
-    <p:sldId id="261" r:id="rId27"/>
+    <p:sldId id="286" r:id="rId24"/>
   </p:sldIdLst>
   <p:sldSz cx="12192000" cy="6858000"/>
   <p:notesSz cx="6858000" cy="9144000"/>
@@ -140,7 +137,7 @@
 <file path=ppt/revisionInfo.xml><?xml version="1.0" encoding="utf-8"?>
 <p1510:revInfo xmlns:a="http://schemas.openxmlformats.org/drawingml/2006/main" xmlns:r="http://schemas.openxmlformats.org/officeDocument/2006/relationships" xmlns:p1510="http://schemas.microsoft.com/office/powerpoint/2015/10/main">
   <p1510:revLst>
-    <p1510:client id="{212EB769-A81A-45D4-8370-CC604998379F}" v="632" dt="2024-01-29T06:11:43.130"/>
+    <p1510:client id="{212EB769-A81A-45D4-8370-CC604998379F}" v="692" dt="2024-01-29T06:18:40.875"/>
   </p1510:revLst>
 </p1510:revInfo>
 </file>
@@ -8079,7 +8076,7 @@
           <p:cNvPr id="2" name="Content Placeholder 1">
             <a:extLst>
               <a:ext uri="{FF2B5EF4-FFF2-40B4-BE49-F238E27FC236}">
-                <a16:creationId xmlns:a16="http://schemas.microsoft.com/office/drawing/2014/main" id="{90F7FC59-CF4C-5071-86AE-4A3B4961F1F5}"/>
+                <a16:creationId xmlns:a16="http://schemas.microsoft.com/office/drawing/2014/main" id="{C3B60153-31EE-EE67-6EBC-192E9EE7A238}"/>
               </a:ext>
             </a:extLst>
           </p:cNvPr>
@@ -8097,232 +8094,22 @@
           </a:bodyPr>
           <a:lstStyle/>
           <a:p>
-            <a:pPr>
-              <a:buNone/>
-            </a:pPr>
+            <a:pPr marL="514350" indent="-514350"/>
             <a:r>
               <a:rPr lang="en-US" dirty="0">
                 <a:solidFill>
                   <a:schemeClr val="tx1"/>
                 </a:solidFill>
-                <a:latin typeface="Arial"/>
+                <a:latin typeface="Times New Roman"/>
                 <a:cs typeface="Arial"/>
               </a:rPr>
-              <a:t>departments = ["music", "</a:t>
-            </a:r>
-            <a:r>
-              <a:rPr lang="en-US" err="1">
-                <a:solidFill>
-                  <a:schemeClr val="tx1"/>
-                </a:solidFill>
-                <a:latin typeface="Arial"/>
-                <a:cs typeface="Arial"/>
-              </a:rPr>
-              <a:t>english</a:t>
-            </a:r>
-            <a:r>
-              <a:rPr lang="en-US" dirty="0">
-                <a:solidFill>
-                  <a:schemeClr val="tx1"/>
-                </a:solidFill>
-                <a:latin typeface="Arial"/>
-                <a:cs typeface="Arial"/>
-              </a:rPr>
-              <a:t>", "political science", "computer science", "physics", "anthropology"]</a:t>
-            </a:r>
-          </a:p>
-          <a:p>
-            <a:pPr>
-              <a:buNone/>
-            </a:pPr>
-            <a:r>
-              <a:rPr lang="en-US" err="1">
-                <a:solidFill>
-                  <a:schemeClr val="tx1"/>
-                </a:solidFill>
-                <a:latin typeface="Arial"/>
-                <a:cs typeface="Arial"/>
-              </a:rPr>
-              <a:t>departments.sort</a:t>
-            </a:r>
-            <a:r>
-              <a:rPr lang="en-US" dirty="0">
-                <a:solidFill>
-                  <a:schemeClr val="tx1"/>
-                </a:solidFill>
-                <a:latin typeface="Arial"/>
-                <a:cs typeface="Arial"/>
-              </a:rPr>
-              <a:t>()</a:t>
-            </a:r>
-          </a:p>
-          <a:p>
-            <a:pPr>
-              <a:buNone/>
-            </a:pPr>
-            <a:r>
-              <a:rPr lang="en-US" dirty="0">
-                <a:solidFill>
-                  <a:schemeClr val="tx1"/>
-                </a:solidFill>
-                <a:latin typeface="Arial"/>
-                <a:cs typeface="Arial"/>
-              </a:rPr>
-              <a:t>x = departments[0]</a:t>
-            </a:r>
-          </a:p>
-          <a:p>
-            <a:pPr>
-              <a:buNone/>
-            </a:pPr>
-            <a:r>
-              <a:rPr lang="en-US" dirty="0">
-                <a:solidFill>
-                  <a:schemeClr val="tx1"/>
-                </a:solidFill>
-                <a:latin typeface="Arial"/>
-                <a:cs typeface="Arial"/>
-              </a:rPr>
-              <a:t>y = departments[1]</a:t>
-            </a:r>
-          </a:p>
-          <a:p>
-            <a:pPr marL="0" indent="0">
-              <a:buNone/>
-            </a:pPr>
-            <a:r>
-              <a:rPr lang="en-US" dirty="0">
-                <a:solidFill>
-                  <a:schemeClr val="tx1"/>
-                </a:solidFill>
-                <a:latin typeface="Arial"/>
-                <a:cs typeface="Arial"/>
-              </a:rPr>
-              <a:t>print(x, "and", y, "are two departments at Wash U")</a:t>
-            </a:r>
-          </a:p>
-        </p:txBody>
-      </p:sp>
-      <p:sp>
-        <p:nvSpPr>
-          <p:cNvPr id="3" name="Title 2">
-            <a:extLst>
-              <a:ext uri="{FF2B5EF4-FFF2-40B4-BE49-F238E27FC236}">
-                <a16:creationId xmlns:a16="http://schemas.microsoft.com/office/drawing/2014/main" id="{B7F13109-A066-E36F-862D-B7B792682A99}"/>
-              </a:ext>
-            </a:extLst>
-          </p:cNvPr>
-          <p:cNvSpPr>
-            <a:spLocks noGrp="1"/>
-          </p:cNvSpPr>
-          <p:nvPr>
-            <p:ph type="title"/>
-          </p:nvPr>
-        </p:nvSpPr>
-        <p:spPr/>
-        <p:txBody>
-          <a:bodyPr/>
-          <a:lstStyle/>
-          <a:p>
-            <a:pPr algn="ctr"/>
-            <a:r>
-              <a:rPr lang="en-US" dirty="0">
-                <a:solidFill>
-                  <a:schemeClr val="tx1"/>
-                </a:solidFill>
-                <a:latin typeface="Times New Roman"/>
-                <a:cs typeface="Times New Roman"/>
-              </a:rPr>
-              <a:t>Solution</a:t>
+              <a:t>Finish in-class exercise 2</a:t>
             </a:r>
             <a:endParaRPr lang="en-US" dirty="0">
               <a:solidFill>
                 <a:schemeClr val="tx1"/>
               </a:solidFill>
-            </a:endParaRPr>
-          </a:p>
-        </p:txBody>
-      </p:sp>
-    </p:spTree>
-    <p:extLst>
-      <p:ext uri="{BB962C8B-B14F-4D97-AF65-F5344CB8AC3E}">
-        <p14:creationId xmlns:p14="http://schemas.microsoft.com/office/powerpoint/2010/main" val="1699678302"/>
-      </p:ext>
-    </p:extLst>
-  </p:cSld>
-  <p:clrMapOvr>
-    <a:masterClrMapping/>
-  </p:clrMapOvr>
-  <mc:AlternateContent xmlns:mc="http://schemas.openxmlformats.org/markup-compatibility/2006" xmlns:p14="http://schemas.microsoft.com/office/powerpoint/2010/main">
-    <mc:Choice Requires="p14">
-      <p:transition spd="med" p14:dur="700">
-        <p:fade/>
-      </p:transition>
-    </mc:Choice>
-    <mc:Fallback xmlns="">
-      <p:transition spd="med">
-        <p:fade/>
-      </p:transition>
-    </mc:Fallback>
-  </mc:AlternateContent>
-</p:sld>
-</file>
-
-<file path=ppt/slides/slide23.xml><?xml version="1.0" encoding="utf-8"?>
-<p:sld xmlns:a="http://schemas.openxmlformats.org/drawingml/2006/main" xmlns:r="http://schemas.openxmlformats.org/officeDocument/2006/relationships" xmlns:p="http://schemas.openxmlformats.org/presentationml/2006/main">
-  <p:cSld>
-    <p:spTree>
-      <p:nvGrpSpPr>
-        <p:cNvPr id="1" name=""/>
-        <p:cNvGrpSpPr/>
-        <p:nvPr/>
-      </p:nvGrpSpPr>
-      <p:grpSpPr>
-        <a:xfrm>
-          <a:off x="0" y="0"/>
-          <a:ext cx="0" cy="0"/>
-          <a:chOff x="0" y="0"/>
-          <a:chExt cx="0" cy="0"/>
-        </a:xfrm>
-      </p:grpSpPr>
-      <p:sp>
-        <p:nvSpPr>
-          <p:cNvPr id="2" name="Content Placeholder 1">
-            <a:extLst>
-              <a:ext uri="{FF2B5EF4-FFF2-40B4-BE49-F238E27FC236}">
-                <a16:creationId xmlns:a16="http://schemas.microsoft.com/office/drawing/2014/main" id="{C3B60153-31EE-EE67-6EBC-192E9EE7A238}"/>
-              </a:ext>
-            </a:extLst>
-          </p:cNvPr>
-          <p:cNvSpPr>
-            <a:spLocks noGrp="1"/>
-          </p:cNvSpPr>
-          <p:nvPr>
-            <p:ph idx="1"/>
-          </p:nvPr>
-        </p:nvSpPr>
-        <p:spPr/>
-        <p:txBody>
-          <a:bodyPr vert="horz" lIns="91440" tIns="45720" rIns="91440" bIns="45720" rtlCol="0" anchor="t">
-            <a:normAutofit fontScale="92500" lnSpcReduction="20000"/>
-          </a:bodyPr>
-          <a:lstStyle/>
-          <a:p>
-            <a:pPr marL="514350" indent="-514350"/>
-            <a:r>
-              <a:rPr lang="en-US" dirty="0">
-                <a:solidFill>
-                  <a:schemeClr val="tx1"/>
-                </a:solidFill>
-                <a:latin typeface="Times New Roman"/>
-                <a:cs typeface="Arial"/>
-              </a:rPr>
-              <a:t>Finish exercises 2/3 (if we did not complete it in class) </a:t>
-            </a:r>
-            <a:endParaRPr lang="en-US" dirty="0">
-              <a:solidFill>
-                <a:schemeClr val="tx1"/>
-              </a:solidFill>
+              <a:latin typeface="Times New Roman"/>
             </a:endParaRPr>
           </a:p>
           <a:p>
@@ -8347,155 +8134,21 @@
                 <a:latin typeface="Times New Roman"/>
                 <a:cs typeface="Arial"/>
               </a:rPr>
-              <a:t>Complete the Class One Exercise Sheet</a:t>
-            </a:r>
-          </a:p>
-          <a:p>
-            <a:pPr marL="0" indent="0">
-              <a:buNone/>
-            </a:pPr>
-            <a:endParaRPr lang="en-US" sz="1800" dirty="0">
+              <a:t>Complete the Class Two Exercise Sheet</a:t>
+            </a:r>
+            <a:endParaRPr lang="en-US" sz="1600" dirty="0">
               <a:solidFill>
                 <a:schemeClr val="tx1"/>
               </a:solidFill>
               <a:latin typeface="Times New Roman"/>
-              <a:cs typeface="Times New Roman"/>
+              <a:cs typeface="Arial"/>
             </a:endParaRPr>
           </a:p>
           <a:p>
-            <a:pPr marL="514350" indent="-514350"/>
-            <a:r>
-              <a:rPr lang="en-US" dirty="0">
-                <a:solidFill>
-                  <a:schemeClr val="tx1"/>
-                </a:solidFill>
-                <a:latin typeface="Times New Roman"/>
-                <a:cs typeface="Times New Roman"/>
-              </a:rPr>
-              <a:t>Install anaconda (</a:t>
-            </a:r>
-            <a:r>
-              <a:rPr lang="en-US" dirty="0">
-                <a:solidFill>
-                  <a:schemeClr val="tx1"/>
-                </a:solidFill>
-                <a:latin typeface="Times New Roman"/>
-                <a:cs typeface="Times New Roman"/>
-                <a:hlinkClick r:id="rId2">
-                  <a:extLst>
-                    <a:ext uri="{A12FA001-AC4F-418D-AE19-62706E023703}">
-                      <ahyp:hlinkClr xmlns:ahyp="http://schemas.microsoft.com/office/drawing/2018/hyperlinkcolor" val="tx"/>
-                    </a:ext>
-                  </a:extLst>
-                </a:hlinkClick>
-              </a:rPr>
-              <a:t>https://www.anaconda.com/download/</a:t>
-            </a:r>
-            <a:r>
-              <a:rPr lang="en-US" dirty="0">
-                <a:solidFill>
-                  <a:schemeClr val="tx1"/>
-                </a:solidFill>
-                <a:latin typeface="Times New Roman"/>
-                <a:cs typeface="Times New Roman"/>
-              </a:rPr>
-              <a:t>)</a:t>
-            </a:r>
-          </a:p>
-          <a:p>
-            <a:pPr marL="514350" indent="-514350"/>
-            <a:endParaRPr lang="en-US" dirty="0">
-              <a:solidFill>
-                <a:schemeClr val="tx1"/>
-              </a:solidFill>
-              <a:latin typeface="Times New Roman"/>
-              <a:cs typeface="Times New Roman"/>
-            </a:endParaRPr>
-          </a:p>
-          <a:p>
-            <a:pPr marL="514350" indent="-514350"/>
-            <a:r>
-              <a:rPr lang="en-US" dirty="0">
-                <a:solidFill>
-                  <a:schemeClr val="tx1"/>
-                </a:solidFill>
-                <a:latin typeface="Times New Roman"/>
-                <a:cs typeface="Times New Roman"/>
-              </a:rPr>
-              <a:t>From the Anaconda Navigator install:</a:t>
-            </a:r>
-          </a:p>
-          <a:p>
-            <a:pPr lvl="1"/>
-            <a:r>
-              <a:rPr lang="en-US" dirty="0">
-                <a:solidFill>
-                  <a:schemeClr val="tx1"/>
-                </a:solidFill>
-                <a:latin typeface="Times New Roman"/>
-                <a:cs typeface="Times New Roman"/>
-              </a:rPr>
-              <a:t>Visual Studio Code</a:t>
-            </a:r>
-            <a:endParaRPr lang="en-US">
-              <a:solidFill>
-                <a:schemeClr val="tx1"/>
-              </a:solidFill>
-              <a:latin typeface="Times New Roman"/>
-              <a:cs typeface="Times New Roman"/>
-            </a:endParaRPr>
-          </a:p>
-          <a:p>
-            <a:pPr lvl="1"/>
-            <a:r>
-              <a:rPr lang="en-US" err="1">
-                <a:solidFill>
-                  <a:schemeClr val="tx1"/>
-                </a:solidFill>
-                <a:latin typeface="Times New Roman"/>
-                <a:cs typeface="Times New Roman"/>
-              </a:rPr>
-              <a:t>Jupyter</a:t>
-            </a:r>
-            <a:r>
-              <a:rPr lang="en-US" dirty="0">
-                <a:solidFill>
-                  <a:schemeClr val="tx1"/>
-                </a:solidFill>
-                <a:latin typeface="Times New Roman"/>
-                <a:cs typeface="Times New Roman"/>
-              </a:rPr>
-              <a:t> Notebook</a:t>
-            </a:r>
-            <a:br>
-              <a:rPr lang="en-US" dirty="0">
-                <a:latin typeface="Times New Roman"/>
-                <a:cs typeface="Times New Roman"/>
-              </a:rPr>
-            </a:br>
-            <a:endParaRPr lang="en-US">
-              <a:solidFill>
-                <a:schemeClr val="tx1"/>
-              </a:solidFill>
-              <a:latin typeface="Times New Roman"/>
-              <a:cs typeface="Times New Roman"/>
-            </a:endParaRPr>
-          </a:p>
-          <a:p>
             <a:pPr marL="0" indent="0">
               <a:buNone/>
             </a:pPr>
-            <a:r>
-              <a:rPr lang="en-US" sz="2000" dirty="0">
-                <a:solidFill>
-                  <a:schemeClr val="tx1"/>
-                </a:solidFill>
-                <a:latin typeface="Times New Roman"/>
-                <a:cs typeface="Arial"/>
-              </a:rPr>
-              <a:t>More details at: </a:t>
-            </a:r>
-            <a:endParaRPr lang="en-US" sz="2000" dirty="0">
+            <a:endParaRPr lang="en-US" sz="1600" dirty="0">
               <a:solidFill>
                 <a:schemeClr val="tx1"/>
               </a:solidFill>
@@ -8503,20 +8156,32 @@
             </a:endParaRPr>
           </a:p>
           <a:p>
+            <a:pPr marL="0" indent="0">
+              <a:buNone/>
+            </a:pPr>
+            <a:endParaRPr lang="en-US" sz="2400" dirty="0">
+              <a:solidFill>
+                <a:schemeClr val="tx1"/>
+              </a:solidFill>
+              <a:latin typeface="Times New Roman"/>
+              <a:cs typeface="Arial"/>
+            </a:endParaRPr>
+          </a:p>
+          <a:p>
             <a:pPr marL="0" indent="0" algn="ctr">
               <a:buNone/>
             </a:pPr>
             <a:r>
-              <a:rPr lang="en-US" sz="1600" dirty="0">
+              <a:rPr lang="en-US" sz="2400" dirty="0">
                 <a:solidFill>
                   <a:schemeClr val="tx1"/>
                 </a:solidFill>
                 <a:latin typeface="Times New Roman"/>
                 <a:cs typeface="Arial"/>
               </a:rPr>
-              <a:t>https://github.com/ClaudiaECarroll/Intro_to_Python/blob/main/homework_lesson_1.md</a:t>
-            </a:r>
-            <a:endParaRPr lang="en-US" sz="1600" dirty="0">
+              <a:t>All materials at: https://github.com/ClaudiaECarroll/Intro_to_Python</a:t>
+            </a:r>
+            <a:endParaRPr lang="en-US" sz="2400" dirty="0">
               <a:solidFill>
                 <a:schemeClr val="tx1"/>
               </a:solidFill>
@@ -8569,190 +8234,6 @@
     <p:extLst>
       <p:ext uri="{BB962C8B-B14F-4D97-AF65-F5344CB8AC3E}">
         <p14:creationId xmlns:p14="http://schemas.microsoft.com/office/powerpoint/2010/main" val="3143217917"/>
-      </p:ext>
-    </p:extLst>
-  </p:cSld>
-  <p:clrMapOvr>
-    <a:masterClrMapping/>
-  </p:clrMapOvr>
-  <mc:AlternateContent xmlns:mc="http://schemas.openxmlformats.org/markup-compatibility/2006" xmlns:p14="http://schemas.microsoft.com/office/powerpoint/2010/main">
-    <mc:Choice Requires="p14">
-      <p:transition spd="med" p14:dur="700">
-        <p:fade/>
-      </p:transition>
-    </mc:Choice>
-    <mc:Fallback xmlns="">
-      <p:transition spd="med">
-        <p:fade/>
-      </p:transition>
-    </mc:Fallback>
-  </mc:AlternateContent>
-</p:sld>
-</file>
-
-<file path=ppt/slides/slide24.xml><?xml version="1.0" encoding="utf-8"?>
-<p:sld xmlns:a="http://schemas.openxmlformats.org/drawingml/2006/main" xmlns:r="http://schemas.openxmlformats.org/officeDocument/2006/relationships" xmlns:p="http://schemas.openxmlformats.org/presentationml/2006/main">
-  <p:cSld>
-    <p:spTree>
-      <p:nvGrpSpPr>
-        <p:cNvPr id="1" name=""/>
-        <p:cNvGrpSpPr/>
-        <p:nvPr/>
-      </p:nvGrpSpPr>
-      <p:grpSpPr>
-        <a:xfrm>
-          <a:off x="0" y="0"/>
-          <a:ext cx="0" cy="0"/>
-          <a:chOff x="0" y="0"/>
-          <a:chExt cx="0" cy="0"/>
-        </a:xfrm>
-      </p:grpSpPr>
-      <p:sp>
-        <p:nvSpPr>
-          <p:cNvPr id="2" name="Title 1">
-            <a:extLst>
-              <a:ext uri="{FF2B5EF4-FFF2-40B4-BE49-F238E27FC236}">
-                <a16:creationId xmlns:a16="http://schemas.microsoft.com/office/drawing/2014/main" id="{CE66AFAA-492D-1776-0CD8-7A867886D283}"/>
-              </a:ext>
-            </a:extLst>
-          </p:cNvPr>
-          <p:cNvSpPr>
-            <a:spLocks noGrp="1"/>
-          </p:cNvSpPr>
-          <p:nvPr>
-            <p:ph type="ctrTitle"/>
-          </p:nvPr>
-        </p:nvSpPr>
-        <p:spPr/>
-        <p:txBody>
-          <a:bodyPr/>
-          <a:lstStyle/>
-          <a:p>
-            <a:endParaRPr lang="en-US"/>
-          </a:p>
-        </p:txBody>
-      </p:sp>
-      <p:sp>
-        <p:nvSpPr>
-          <p:cNvPr id="3" name="Subtitle 2">
-            <a:extLst>
-              <a:ext uri="{FF2B5EF4-FFF2-40B4-BE49-F238E27FC236}">
-                <a16:creationId xmlns:a16="http://schemas.microsoft.com/office/drawing/2014/main" id="{0FB76D84-5F09-7275-3FC3-61D4E5ED6B75}"/>
-              </a:ext>
-            </a:extLst>
-          </p:cNvPr>
-          <p:cNvSpPr>
-            <a:spLocks noGrp="1"/>
-          </p:cNvSpPr>
-          <p:nvPr>
-            <p:ph type="subTitle" idx="1"/>
-          </p:nvPr>
-        </p:nvSpPr>
-        <p:spPr/>
-        <p:txBody>
-          <a:bodyPr/>
-          <a:lstStyle/>
-          <a:p>
-            <a:endParaRPr lang="en-US"/>
-          </a:p>
-        </p:txBody>
-      </p:sp>
-    </p:spTree>
-    <p:extLst>
-      <p:ext uri="{BB962C8B-B14F-4D97-AF65-F5344CB8AC3E}">
-        <p14:creationId xmlns:p14="http://schemas.microsoft.com/office/powerpoint/2010/main" val="3777991501"/>
-      </p:ext>
-    </p:extLst>
-  </p:cSld>
-  <p:clrMapOvr>
-    <a:masterClrMapping/>
-  </p:clrMapOvr>
-  <mc:AlternateContent xmlns:mc="http://schemas.openxmlformats.org/markup-compatibility/2006" xmlns:p14="http://schemas.microsoft.com/office/powerpoint/2010/main">
-    <mc:Choice Requires="p14">
-      <p:transition spd="med" p14:dur="700">
-        <p:fade/>
-      </p:transition>
-    </mc:Choice>
-    <mc:Fallback xmlns="">
-      <p:transition spd="med">
-        <p:fade/>
-      </p:transition>
-    </mc:Fallback>
-  </mc:AlternateContent>
-</p:sld>
-</file>
-
-<file path=ppt/slides/slide25.xml><?xml version="1.0" encoding="utf-8"?>
-<p:sld xmlns:a="http://schemas.openxmlformats.org/drawingml/2006/main" xmlns:r="http://schemas.openxmlformats.org/officeDocument/2006/relationships" xmlns:p="http://schemas.openxmlformats.org/presentationml/2006/main">
-  <p:cSld>
-    <p:spTree>
-      <p:nvGrpSpPr>
-        <p:cNvPr id="1" name=""/>
-        <p:cNvGrpSpPr/>
-        <p:nvPr/>
-      </p:nvGrpSpPr>
-      <p:grpSpPr>
-        <a:xfrm>
-          <a:off x="0" y="0"/>
-          <a:ext cx="0" cy="0"/>
-          <a:chOff x="0" y="0"/>
-          <a:chExt cx="0" cy="0"/>
-        </a:xfrm>
-      </p:grpSpPr>
-      <p:sp>
-        <p:nvSpPr>
-          <p:cNvPr id="2" name="Title 1">
-            <a:extLst>
-              <a:ext uri="{FF2B5EF4-FFF2-40B4-BE49-F238E27FC236}">
-                <a16:creationId xmlns:a16="http://schemas.microsoft.com/office/drawing/2014/main" id="{09D9DAAD-2614-83E7-C892-F7BBE37CC1D8}"/>
-              </a:ext>
-            </a:extLst>
-          </p:cNvPr>
-          <p:cNvSpPr>
-            <a:spLocks noGrp="1"/>
-          </p:cNvSpPr>
-          <p:nvPr>
-            <p:ph type="ctrTitle"/>
-          </p:nvPr>
-        </p:nvSpPr>
-        <p:spPr/>
-        <p:txBody>
-          <a:bodyPr/>
-          <a:lstStyle/>
-          <a:p>
-            <a:endParaRPr lang="en-US"/>
-          </a:p>
-        </p:txBody>
-      </p:sp>
-      <p:sp>
-        <p:nvSpPr>
-          <p:cNvPr id="3" name="Subtitle 2">
-            <a:extLst>
-              <a:ext uri="{FF2B5EF4-FFF2-40B4-BE49-F238E27FC236}">
-                <a16:creationId xmlns:a16="http://schemas.microsoft.com/office/drawing/2014/main" id="{1A03FD27-4CDF-ADBD-DAF1-D1943B9526A4}"/>
-              </a:ext>
-            </a:extLst>
-          </p:cNvPr>
-          <p:cNvSpPr>
-            <a:spLocks noGrp="1"/>
-          </p:cNvSpPr>
-          <p:nvPr>
-            <p:ph type="subTitle" idx="1"/>
-          </p:nvPr>
-        </p:nvSpPr>
-        <p:spPr/>
-        <p:txBody>
-          <a:bodyPr/>
-          <a:lstStyle/>
-          <a:p>
-            <a:endParaRPr lang="en-US"/>
-          </a:p>
-        </p:txBody>
-      </p:sp>
-    </p:spTree>
-    <p:extLst>
-      <p:ext uri="{BB962C8B-B14F-4D97-AF65-F5344CB8AC3E}">
-        <p14:creationId xmlns:p14="http://schemas.microsoft.com/office/powerpoint/2010/main" val="3098291138"/>
       </p:ext>
     </p:extLst>
   </p:cSld>
